--- a/lessons/3_derivation/ppt/全连接层的前向和后向传播推导.pptx
+++ b/lessons/3_derivation/ppt/全连接层的前向和后向传播推导.pptx
@@ -5,17 +5,17 @@
     <p:sldMasterId id="2147483648" r:id="rId1"/>
   </p:sldMasterIdLst>
   <p:notesMasterIdLst>
-    <p:notesMasterId r:id="rId21"/>
+    <p:notesMasterId r:id="rId25"/>
   </p:notesMasterIdLst>
   <p:handoutMasterIdLst>
-    <p:handoutMasterId r:id="rId22"/>
+    <p:handoutMasterId r:id="rId26"/>
   </p:handoutMasterIdLst>
   <p:sldIdLst>
     <p:sldId id="307" r:id="rId2"/>
     <p:sldId id="308" r:id="rId3"/>
     <p:sldId id="284" r:id="rId4"/>
-    <p:sldId id="999" r:id="rId5"/>
-    <p:sldId id="1004" r:id="rId6"/>
+    <p:sldId id="1004" r:id="rId5"/>
+    <p:sldId id="999" r:id="rId6"/>
     <p:sldId id="1000" r:id="rId7"/>
     <p:sldId id="1006" r:id="rId8"/>
     <p:sldId id="524" r:id="rId9"/>
@@ -26,15 +26,19 @@
     <p:sldId id="1009" r:id="rId14"/>
     <p:sldId id="1011" r:id="rId15"/>
     <p:sldId id="1008" r:id="rId16"/>
-    <p:sldId id="996" r:id="rId17"/>
-    <p:sldId id="997" r:id="rId18"/>
-    <p:sldId id="998" r:id="rId19"/>
-    <p:sldId id="653" r:id="rId20"/>
+    <p:sldId id="537" r:id="rId17"/>
+    <p:sldId id="536" r:id="rId18"/>
+    <p:sldId id="1014" r:id="rId19"/>
+    <p:sldId id="1013" r:id="rId20"/>
+    <p:sldId id="996" r:id="rId21"/>
+    <p:sldId id="997" r:id="rId22"/>
+    <p:sldId id="998" r:id="rId23"/>
+    <p:sldId id="653" r:id="rId24"/>
   </p:sldIdLst>
   <p:sldSz cx="12192000" cy="6858000"/>
   <p:notesSz cx="6858000" cy="9144000"/>
   <p:custDataLst>
-    <p:tags r:id="rId23"/>
+    <p:tags r:id="rId27"/>
   </p:custDataLst>
   <p:defaultTextStyle>
     <a:defPPr>
@@ -6566,7 +6570,7 @@
             </a:pPr>
             <a:r>
               <a:rPr lang="zh-CN" altLang="en-US" dirty="0"/>
-              <a:t>如果再增加多个隐藏层，又该如何计算梯度求导？</a:t>
+              <a:t>什么情况下需要增加输入层的神经元个数？</a:t>
             </a:r>
             <a:endParaRPr lang="en-US" altLang="zh-CN" dirty="0"/>
           </a:p>
@@ -6577,8 +6581,65 @@
             </a:pPr>
             <a:r>
               <a:rPr lang="zh-CN" altLang="en-US" dirty="0"/>
-              <a:t>能否推出一个针对所有的隐藏层的通用的计算公式？</a:t>
-            </a:r>
+              <a:t>什么情况下需要增加隐藏层的神经元个数？</a:t>
+            </a:r>
+            <a:endParaRPr lang="en-US" altLang="zh-CN" dirty="0"/>
+          </a:p>
+          <a:p>
+            <a:pPr marL="285750" indent="-285750">
+              <a:buFont typeface="Arial" panose="020B0604020202020204" pitchFamily="34" charset="0"/>
+              <a:buChar char="•"/>
+            </a:pPr>
+            <a:r>
+              <a:rPr lang="zh-CN" altLang="en-US" dirty="0"/>
+              <a:t>什么情况下需要增加输出层的神经元个数？</a:t>
+            </a:r>
+            <a:endParaRPr lang="en-US" altLang="zh-CN" dirty="0"/>
+          </a:p>
+          <a:p>
+            <a:pPr marL="285750" indent="-285750">
+              <a:buFont typeface="Arial" panose="020B0604020202020204" pitchFamily="34" charset="0"/>
+              <a:buChar char="•"/>
+            </a:pPr>
+            <a:r>
+              <a:rPr lang="zh-CN" altLang="en-US" dirty="0"/>
+              <a:t>什么情况下需要增加更多的隐藏层？</a:t>
+            </a:r>
+            <a:endParaRPr lang="en-US" altLang="zh-CN" dirty="0"/>
+          </a:p>
+          <a:p>
+            <a:pPr marL="285750" indent="-285750">
+              <a:buFont typeface="Arial" panose="020B0604020202020204" pitchFamily="34" charset="0"/>
+              <a:buChar char="•"/>
+            </a:pPr>
+            <a:endParaRPr lang="en-US" altLang="zh-CN" dirty="0"/>
+          </a:p>
+          <a:p>
+            <a:pPr marL="285750" indent="-285750">
+              <a:buFont typeface="Arial" panose="020B0604020202020204" pitchFamily="34" charset="0"/>
+              <a:buChar char="•"/>
+            </a:pPr>
+            <a:endParaRPr lang="en-US" altLang="zh-CN" dirty="0"/>
+          </a:p>
+          <a:p>
+            <a:pPr marL="285750" indent="-285750">
+              <a:buFont typeface="Arial" panose="020B0604020202020204" pitchFamily="34" charset="0"/>
+              <a:buChar char="•"/>
+            </a:pPr>
+            <a:endParaRPr lang="en-US" altLang="zh-CN" dirty="0"/>
+          </a:p>
+          <a:p>
+            <a:pPr marL="285750" indent="-285750">
+              <a:buFont typeface="Arial" panose="020B0604020202020204" pitchFamily="34" charset="0"/>
+              <a:buChar char="•"/>
+            </a:pPr>
+            <a:endParaRPr lang="en-US" altLang="zh-CN" dirty="0"/>
+          </a:p>
+          <a:p>
+            <a:pPr marL="285750" indent="-285750">
+              <a:buFont typeface="Arial" panose="020B0604020202020204" pitchFamily="34" charset="0"/>
+              <a:buChar char="•"/>
+            </a:pPr>
             <a:endParaRPr lang="en-US" altLang="zh-CN" dirty="0"/>
           </a:p>
           <a:p>
@@ -6862,8 +6923,8 @@
         </p:nvSpPr>
         <p:spPr>
           <a:xfrm>
-            <a:off x="1457012" y="2647806"/>
-            <a:ext cx="3215471" cy="646331"/>
+            <a:off x="1272783" y="2257867"/>
+            <a:ext cx="4002601" cy="923330"/>
           </a:xfrm>
           <a:prstGeom prst="rect">
             <a:avLst/>
@@ -6878,14 +6939,14 @@
           <a:p>
             <a:r>
               <a:rPr kumimoji="1" lang="zh-CN" altLang="en-US" dirty="0"/>
-              <a:t>输入层、输出层各只有一层；</a:t>
+              <a:t>输入层、输出层各只有一层，隐藏层可以有任意多层；</a:t>
             </a:r>
             <a:endParaRPr kumimoji="1" lang="en-US" altLang="zh-CN" dirty="0"/>
           </a:p>
           <a:p>
             <a:r>
               <a:rPr kumimoji="1" lang="zh-CN" altLang="en-US" dirty="0"/>
-              <a:t>隐藏层可以有任意多层</a:t>
+              <a:t>每层有任意多的神经元</a:t>
             </a:r>
             <a:endParaRPr lang="en-US" altLang="zh-CN" dirty="0"/>
           </a:p>
@@ -7716,7 +7777,7 @@
               <a:buChar char="•"/>
             </a:pPr>
             <a:r>
-              <a:rPr lang="en-US" altLang="zh-CN">
+              <a:rPr lang="en-US" altLang="zh-CN" dirty="0">
                 <a:sym typeface="+mn-ea"/>
               </a:rPr>
               <a:t>TODO</a:t>
@@ -7829,12 +7890,12 @@
       </p:grpSpPr>
       <p:sp>
         <p:nvSpPr>
-          <p:cNvPr id="2" name="文本占位符 1"/>
+          <p:cNvPr id="2" name="标题 1"/>
           <p:cNvSpPr>
             <a:spLocks noGrp="1"/>
           </p:cNvSpPr>
           <p:nvPr>
-            <p:ph type="body" idx="1"/>
+            <p:ph type="title"/>
           </p:nvPr>
         </p:nvSpPr>
         <p:spPr/>
@@ -7842,33 +7903,9 @@
           <a:bodyPr/>
           <a:lstStyle/>
           <a:p>
-            <a:pPr>
-              <a:buFont typeface="Arial" panose="020B0604020202020204" pitchFamily="34" charset="0"/>
-            </a:pPr>
-            <a:endParaRPr dirty="0">
-              <a:sym typeface="+mn-ea"/>
-            </a:endParaRPr>
-          </a:p>
-        </p:txBody>
-      </p:sp>
-      <p:sp>
-        <p:nvSpPr>
-          <p:cNvPr id="3" name="标题 2"/>
-          <p:cNvSpPr>
-            <a:spLocks noGrp="1"/>
-          </p:cNvSpPr>
-          <p:nvPr>
-            <p:ph type="title"/>
-          </p:nvPr>
-        </p:nvSpPr>
-        <p:spPr/>
-        <p:txBody>
-          <a:bodyPr/>
-          <a:lstStyle/>
-          <a:p>
             <a:r>
               <a:rPr lang="zh-CN" altLang="en-US"/>
-              <a:t>下节课预告</a:t>
+              <a:t>总结</a:t>
             </a:r>
           </a:p>
         </p:txBody>
@@ -7885,6 +7922,528 @@
 </file>
 
 <file path=ppt/slides/slide17.xml><?xml version="1.0" encoding="utf-8"?>
+<p:sld xmlns:a="http://schemas.openxmlformats.org/drawingml/2006/main" xmlns:r="http://schemas.openxmlformats.org/officeDocument/2006/relationships" xmlns:p="http://schemas.openxmlformats.org/presentationml/2006/main">
+  <p:cSld>
+    <p:spTree>
+      <p:nvGrpSpPr>
+        <p:cNvPr id="1" name=""/>
+        <p:cNvGrpSpPr/>
+        <p:nvPr/>
+      </p:nvGrpSpPr>
+      <p:grpSpPr>
+        <a:xfrm>
+          <a:off x="0" y="0"/>
+          <a:ext cx="0" cy="0"/>
+          <a:chOff x="0" y="0"/>
+          <a:chExt cx="0" cy="0"/>
+        </a:xfrm>
+      </p:grpSpPr>
+      <p:sp>
+        <p:nvSpPr>
+          <p:cNvPr id="2" name="文本占位符 1"/>
+          <p:cNvSpPr>
+            <a:spLocks noGrp="1"/>
+          </p:cNvSpPr>
+          <p:nvPr>
+            <p:ph type="body" idx="1"/>
+          </p:nvPr>
+        </p:nvSpPr>
+        <p:spPr/>
+        <p:txBody>
+          <a:bodyPr/>
+          <a:lstStyle/>
+          <a:p>
+            <a:pPr marL="285750" indent="-285750">
+              <a:buFont typeface="Arial" panose="020B0604020202020204" pitchFamily="34" charset="0"/>
+              <a:buChar char="•"/>
+            </a:pPr>
+            <a:r>
+              <a:rPr lang="en-US" dirty="0" err="1"/>
+              <a:t>请回答所有主问题</a:t>
+            </a:r>
+            <a:r>
+              <a:rPr lang="zh-CN" altLang="en-US" dirty="0"/>
+              <a:t>？</a:t>
+            </a:r>
+            <a:endParaRPr dirty="0">
+              <a:sym typeface="+mn-ea"/>
+            </a:endParaRPr>
+          </a:p>
+          <a:p>
+            <a:endParaRPr dirty="0">
+              <a:solidFill>
+                <a:schemeClr val="bg2"/>
+              </a:solidFill>
+              <a:sym typeface="+mn-ea"/>
+            </a:endParaRPr>
+          </a:p>
+          <a:p>
+            <a:pPr marL="285750" indent="-285750">
+              <a:buFont typeface="Arial" panose="020B0604020202020204" pitchFamily="34" charset="0"/>
+              <a:buChar char="•"/>
+            </a:pPr>
+            <a:r>
+              <a:rPr lang="zh-CN" altLang="en-US" dirty="0"/>
+              <a:t>自学、展学</a:t>
+            </a:r>
+            <a:endParaRPr lang="en-US" altLang="zh-CN" dirty="0"/>
+          </a:p>
+          <a:p>
+            <a:pPr marL="285750" indent="-285750">
+              <a:buFont typeface="Arial" panose="020B0604020202020204" pitchFamily="34" charset="0"/>
+              <a:buChar char="•"/>
+            </a:pPr>
+            <a:endParaRPr dirty="0">
+              <a:sym typeface="+mn-ea"/>
+            </a:endParaRPr>
+          </a:p>
+        </p:txBody>
+      </p:sp>
+      <p:sp>
+        <p:nvSpPr>
+          <p:cNvPr id="3" name="标题 2"/>
+          <p:cNvSpPr>
+            <a:spLocks noGrp="1"/>
+          </p:cNvSpPr>
+          <p:nvPr>
+            <p:ph type="title"/>
+          </p:nvPr>
+        </p:nvSpPr>
+        <p:spPr/>
+        <p:txBody>
+          <a:bodyPr/>
+          <a:lstStyle/>
+          <a:p>
+            <a:r>
+              <a:rPr lang="zh-CN" altLang="en-US"/>
+              <a:t>总结</a:t>
+            </a:r>
+          </a:p>
+        </p:txBody>
+      </p:sp>
+      <p:graphicFrame>
+        <p:nvGraphicFramePr>
+          <p:cNvPr id="4" name="对象 3">
+            <a:hlinkClick r:id="" action="ppaction://ole?verb=0"/>
+          </p:cNvPr>
+          <p:cNvGraphicFramePr>
+            <a:graphicFrameLocks noChangeAspect="1"/>
+          </p:cNvGraphicFramePr>
+          <p:nvPr/>
+        </p:nvGraphicFramePr>
+        <p:xfrm>
+          <a:off x="5638800" y="3244850"/>
+          <a:ext cx="914400" cy="368300"/>
+        </p:xfrm>
+        <a:graphic>
+          <a:graphicData uri="http://schemas.openxmlformats.org/presentationml/2006/ole">
+            <mc:AlternateContent xmlns:mc="http://schemas.openxmlformats.org/markup-compatibility/2006">
+              <mc:Choice xmlns:v="urn:schemas-microsoft-com:vml" Requires="v">
+                <p:oleObj r:id="rId3" imgW="914400" imgH="368300" progId="Equation.KSEE3">
+                  <p:embed/>
+                </p:oleObj>
+              </mc:Choice>
+              <mc:Fallback>
+                <p:oleObj r:id="rId3" imgW="914400" imgH="368300" progId="Equation.KSEE3">
+                  <p:embed/>
+                  <p:pic>
+                    <p:nvPicPr>
+                      <p:cNvPr id="4" name="对象 3">
+                        <a:hlinkClick r:id="" action="ppaction://ole?verb=0"/>
+                      </p:cNvPr>
+                      <p:cNvPicPr/>
+                      <p:nvPr/>
+                    </p:nvPicPr>
+                    <p:blipFill>
+                      <a:blip r:embed="rId4"/>
+                      <a:stretch>
+                        <a:fillRect/>
+                      </a:stretch>
+                    </p:blipFill>
+                    <p:spPr>
+                      <a:xfrm>
+                        <a:off x="5638800" y="3244850"/>
+                        <a:ext cx="914400" cy="368300"/>
+                      </a:xfrm>
+                      <a:prstGeom prst="rect">
+                        <a:avLst/>
+                      </a:prstGeom>
+                    </p:spPr>
+                  </p:pic>
+                </p:oleObj>
+              </mc:Fallback>
+            </mc:AlternateContent>
+          </a:graphicData>
+        </a:graphic>
+      </p:graphicFrame>
+    </p:spTree>
+    <p:custDataLst>
+      <p:tags r:id="rId1"/>
+    </p:custDataLst>
+  </p:cSld>
+  <p:clrMapOvr>
+    <a:masterClrMapping/>
+  </p:clrMapOvr>
+</p:sld>
+</file>
+
+<file path=ppt/slides/slide18.xml><?xml version="1.0" encoding="utf-8"?>
+<p:sld xmlns:a="http://schemas.openxmlformats.org/drawingml/2006/main" xmlns:r="http://schemas.openxmlformats.org/officeDocument/2006/relationships" xmlns:p="http://schemas.openxmlformats.org/presentationml/2006/main">
+  <p:cSld>
+    <p:spTree>
+      <p:nvGrpSpPr>
+        <p:cNvPr id="1" name=""/>
+        <p:cNvGrpSpPr/>
+        <p:nvPr/>
+      </p:nvGrpSpPr>
+      <p:grpSpPr>
+        <a:xfrm>
+          <a:off x="0" y="0"/>
+          <a:ext cx="0" cy="0"/>
+          <a:chOff x="0" y="0"/>
+          <a:chExt cx="0" cy="0"/>
+        </a:xfrm>
+      </p:grpSpPr>
+      <p:sp>
+        <p:nvSpPr>
+          <p:cNvPr id="2" name="文本占位符 1"/>
+          <p:cNvSpPr>
+            <a:spLocks noGrp="1"/>
+          </p:cNvSpPr>
+          <p:nvPr>
+            <p:ph type="body" idx="1"/>
+          </p:nvPr>
+        </p:nvSpPr>
+        <p:spPr/>
+        <p:txBody>
+          <a:bodyPr/>
+          <a:lstStyle/>
+          <a:p>
+            <a:pPr marL="285750" indent="-285750">
+              <a:buFont typeface="Arial" panose="020B0604020202020204" pitchFamily="34" charset="0"/>
+              <a:buChar char="•"/>
+            </a:pPr>
+            <a:endParaRPr dirty="0">
+              <a:sym typeface="+mn-ea"/>
+            </a:endParaRPr>
+          </a:p>
+        </p:txBody>
+      </p:sp>
+      <p:sp>
+        <p:nvSpPr>
+          <p:cNvPr id="3" name="标题 2"/>
+          <p:cNvSpPr>
+            <a:spLocks noGrp="1"/>
+          </p:cNvSpPr>
+          <p:nvPr>
+            <p:ph type="title"/>
+          </p:nvPr>
+        </p:nvSpPr>
+        <p:spPr/>
+        <p:txBody>
+          <a:bodyPr/>
+          <a:lstStyle/>
+          <a:p>
+            <a:r>
+              <a:rPr lang="zh-CN" altLang="en-US" dirty="0"/>
+              <a:t>参考资料</a:t>
+            </a:r>
+          </a:p>
+        </p:txBody>
+      </p:sp>
+      <p:graphicFrame>
+        <p:nvGraphicFramePr>
+          <p:cNvPr id="4" name="对象 3">
+            <a:hlinkClick r:id="" action="ppaction://ole?verb=0"/>
+          </p:cNvPr>
+          <p:cNvGraphicFramePr>
+            <a:graphicFrameLocks noChangeAspect="1"/>
+          </p:cNvGraphicFramePr>
+          <p:nvPr/>
+        </p:nvGraphicFramePr>
+        <p:xfrm>
+          <a:off x="5638800" y="3244850"/>
+          <a:ext cx="914400" cy="368300"/>
+        </p:xfrm>
+        <a:graphic>
+          <a:graphicData uri="http://schemas.openxmlformats.org/presentationml/2006/ole">
+            <mc:AlternateContent xmlns:mc="http://schemas.openxmlformats.org/markup-compatibility/2006">
+              <mc:Choice xmlns:v="urn:schemas-microsoft-com:vml" Requires="v">
+                <p:oleObj r:id="rId3" imgW="914400" imgH="368300" progId="Equation.KSEE3">
+                  <p:embed/>
+                </p:oleObj>
+              </mc:Choice>
+              <mc:Fallback>
+                <p:oleObj r:id="rId3" imgW="914400" imgH="368300" progId="Equation.KSEE3">
+                  <p:embed/>
+                  <p:pic>
+                    <p:nvPicPr>
+                      <p:cNvPr id="4" name="对象 3">
+                        <a:hlinkClick r:id="" action="ppaction://ole?verb=0"/>
+                      </p:cNvPr>
+                      <p:cNvPicPr/>
+                      <p:nvPr/>
+                    </p:nvPicPr>
+                    <p:blipFill>
+                      <a:blip r:embed="rId4"/>
+                      <a:stretch>
+                        <a:fillRect/>
+                      </a:stretch>
+                    </p:blipFill>
+                    <p:spPr>
+                      <a:xfrm>
+                        <a:off x="5638800" y="3244850"/>
+                        <a:ext cx="914400" cy="368300"/>
+                      </a:xfrm>
+                      <a:prstGeom prst="rect">
+                        <a:avLst/>
+                      </a:prstGeom>
+                    </p:spPr>
+                  </p:pic>
+                </p:oleObj>
+              </mc:Fallback>
+            </mc:AlternateContent>
+          </a:graphicData>
+        </a:graphic>
+      </p:graphicFrame>
+    </p:spTree>
+    <p:custDataLst>
+      <p:tags r:id="rId1"/>
+    </p:custDataLst>
+    <p:extLst>
+      <p:ext uri="{BB962C8B-B14F-4D97-AF65-F5344CB8AC3E}">
+        <p14:creationId xmlns:p14="http://schemas.microsoft.com/office/powerpoint/2010/main" val="2517994622"/>
+      </p:ext>
+    </p:extLst>
+  </p:cSld>
+  <p:clrMapOvr>
+    <a:masterClrMapping/>
+  </p:clrMapOvr>
+</p:sld>
+</file>
+
+<file path=ppt/slides/slide19.xml><?xml version="1.0" encoding="utf-8"?>
+<p:sld xmlns:a="http://schemas.openxmlformats.org/drawingml/2006/main" xmlns:r="http://schemas.openxmlformats.org/officeDocument/2006/relationships" xmlns:p="http://schemas.openxmlformats.org/presentationml/2006/main">
+  <p:cSld>
+    <p:spTree>
+      <p:nvGrpSpPr>
+        <p:cNvPr id="1" name=""/>
+        <p:cNvGrpSpPr/>
+        <p:nvPr/>
+      </p:nvGrpSpPr>
+      <p:grpSpPr>
+        <a:xfrm>
+          <a:off x="0" y="0"/>
+          <a:ext cx="0" cy="0"/>
+          <a:chOff x="0" y="0"/>
+          <a:chExt cx="0" cy="0"/>
+        </a:xfrm>
+      </p:grpSpPr>
+      <p:sp>
+        <p:nvSpPr>
+          <p:cNvPr id="2" name="文本占位符 1"/>
+          <p:cNvSpPr>
+            <a:spLocks noGrp="1"/>
+          </p:cNvSpPr>
+          <p:nvPr>
+            <p:ph type="body" idx="1"/>
+          </p:nvPr>
+        </p:nvSpPr>
+        <p:spPr/>
+        <p:txBody>
+          <a:bodyPr/>
+          <a:lstStyle/>
+          <a:p>
+            <a:pPr>
+              <a:buFont typeface="Arial" panose="020B0604020202020204" pitchFamily="34" charset="0"/>
+            </a:pPr>
+            <a:r>
+              <a:rPr lang="en-US" dirty="0">
+                <a:sym typeface="+mn-ea"/>
+              </a:rPr>
+              <a:t>TODO</a:t>
+            </a:r>
+            <a:endParaRPr dirty="0">
+              <a:sym typeface="+mn-ea"/>
+            </a:endParaRPr>
+          </a:p>
+        </p:txBody>
+      </p:sp>
+      <p:sp>
+        <p:nvSpPr>
+          <p:cNvPr id="3" name="标题 2"/>
+          <p:cNvSpPr>
+            <a:spLocks noGrp="1"/>
+          </p:cNvSpPr>
+          <p:nvPr>
+            <p:ph type="title"/>
+          </p:nvPr>
+        </p:nvSpPr>
+        <p:spPr/>
+        <p:txBody>
+          <a:bodyPr/>
+          <a:lstStyle/>
+          <a:p>
+            <a:r>
+              <a:rPr lang="zh-CN" altLang="en-US"/>
+              <a:t>下节课预告</a:t>
+            </a:r>
+          </a:p>
+        </p:txBody>
+      </p:sp>
+    </p:spTree>
+    <p:custDataLst>
+      <p:tags r:id="rId1"/>
+    </p:custDataLst>
+    <p:extLst>
+      <p:ext uri="{BB962C8B-B14F-4D97-AF65-F5344CB8AC3E}">
+        <p14:creationId xmlns:p14="http://schemas.microsoft.com/office/powerpoint/2010/main" val="1027050507"/>
+      </p:ext>
+    </p:extLst>
+  </p:cSld>
+  <p:clrMapOvr>
+    <a:masterClrMapping/>
+  </p:clrMapOvr>
+</p:sld>
+</file>
+
+<file path=ppt/slides/slide2.xml><?xml version="1.0" encoding="utf-8"?>
+<p:sld xmlns:a="http://schemas.openxmlformats.org/drawingml/2006/main" xmlns:r="http://schemas.openxmlformats.org/officeDocument/2006/relationships" xmlns:p="http://schemas.openxmlformats.org/presentationml/2006/main">
+  <p:cSld>
+    <p:spTree>
+      <p:nvGrpSpPr>
+        <p:cNvPr id="1" name=""/>
+        <p:cNvGrpSpPr/>
+        <p:nvPr/>
+      </p:nvGrpSpPr>
+      <p:grpSpPr>
+        <a:xfrm>
+          <a:off x="0" y="0"/>
+          <a:ext cx="0" cy="0"/>
+          <a:chOff x="0" y="0"/>
+          <a:chExt cx="0" cy="0"/>
+        </a:xfrm>
+      </p:grpSpPr>
+      <p:sp>
+        <p:nvSpPr>
+          <p:cNvPr id="2" name="标题 1"/>
+          <p:cNvSpPr>
+            <a:spLocks noGrp="1"/>
+          </p:cNvSpPr>
+          <p:nvPr>
+            <p:ph type="title"/>
+          </p:nvPr>
+        </p:nvSpPr>
+        <p:spPr>
+          <a:xfrm>
+            <a:off x="669882" y="2108221"/>
+            <a:ext cx="10852237" cy="899167"/>
+          </a:xfrm>
+        </p:spPr>
+        <p:txBody>
+          <a:bodyPr/>
+          <a:lstStyle/>
+          <a:p>
+            <a:r>
+              <a:rPr lang="zh-CN" altLang="en-US" dirty="0"/>
+              <a:t>第三节课：</a:t>
+            </a:r>
+            <a:br>
+              <a:rPr lang="en-US" altLang="zh-CN" dirty="0"/>
+            </a:br>
+            <a:r>
+              <a:rPr lang="zh-CN" altLang="en-US" dirty="0"/>
+              <a:t>全连接层的前向和后向传播推导（上）</a:t>
+            </a:r>
+          </a:p>
+        </p:txBody>
+      </p:sp>
+    </p:spTree>
+    <p:custDataLst>
+      <p:tags r:id="rId1"/>
+    </p:custDataLst>
+  </p:cSld>
+  <p:clrMapOvr>
+    <a:masterClrMapping/>
+  </p:clrMapOvr>
+</p:sld>
+</file>
+
+<file path=ppt/slides/slide20.xml><?xml version="1.0" encoding="utf-8"?>
+<p:sld xmlns:a="http://schemas.openxmlformats.org/drawingml/2006/main" xmlns:r="http://schemas.openxmlformats.org/officeDocument/2006/relationships" xmlns:p="http://schemas.openxmlformats.org/presentationml/2006/main">
+  <p:cSld>
+    <p:spTree>
+      <p:nvGrpSpPr>
+        <p:cNvPr id="1" name=""/>
+        <p:cNvGrpSpPr/>
+        <p:nvPr/>
+      </p:nvGrpSpPr>
+      <p:grpSpPr>
+        <a:xfrm>
+          <a:off x="0" y="0"/>
+          <a:ext cx="0" cy="0"/>
+          <a:chOff x="0" y="0"/>
+          <a:chExt cx="0" cy="0"/>
+        </a:xfrm>
+      </p:grpSpPr>
+      <p:sp>
+        <p:nvSpPr>
+          <p:cNvPr id="2" name="文本占位符 1"/>
+          <p:cNvSpPr>
+            <a:spLocks noGrp="1"/>
+          </p:cNvSpPr>
+          <p:nvPr>
+            <p:ph type="body" idx="1"/>
+          </p:nvPr>
+        </p:nvSpPr>
+        <p:spPr/>
+        <p:txBody>
+          <a:bodyPr/>
+          <a:lstStyle/>
+          <a:p>
+            <a:pPr>
+              <a:buFont typeface="Arial" panose="020B0604020202020204" pitchFamily="34" charset="0"/>
+            </a:pPr>
+            <a:endParaRPr dirty="0">
+              <a:sym typeface="+mn-ea"/>
+            </a:endParaRPr>
+          </a:p>
+        </p:txBody>
+      </p:sp>
+      <p:sp>
+        <p:nvSpPr>
+          <p:cNvPr id="3" name="标题 2"/>
+          <p:cNvSpPr>
+            <a:spLocks noGrp="1"/>
+          </p:cNvSpPr>
+          <p:nvPr>
+            <p:ph type="title"/>
+          </p:nvPr>
+        </p:nvSpPr>
+        <p:spPr/>
+        <p:txBody>
+          <a:bodyPr/>
+          <a:lstStyle/>
+          <a:p>
+            <a:r>
+              <a:rPr lang="zh-CN" altLang="en-US"/>
+              <a:t>下节课预告</a:t>
+            </a:r>
+          </a:p>
+        </p:txBody>
+      </p:sp>
+    </p:spTree>
+    <p:custDataLst>
+      <p:tags r:id="rId1"/>
+    </p:custDataLst>
+  </p:cSld>
+  <p:clrMapOvr>
+    <a:masterClrMapping/>
+  </p:clrMapOvr>
+</p:sld>
+</file>
+
+<file path=ppt/slides/slide21.xml><?xml version="1.0" encoding="utf-8"?>
 <p:sld xmlns:a="http://schemas.openxmlformats.org/drawingml/2006/main" xmlns:r="http://schemas.openxmlformats.org/officeDocument/2006/relationships" xmlns:p="http://schemas.openxmlformats.org/presentationml/2006/main">
   <p:cSld>
     <p:spTree>
@@ -7912,7 +8471,7 @@
 </p:sld>
 </file>
 
-<file path=ppt/slides/slide18.xml><?xml version="1.0" encoding="utf-8"?>
+<file path=ppt/slides/slide22.xml><?xml version="1.0" encoding="utf-8"?>
 <p:sld xmlns:a="http://schemas.openxmlformats.org/drawingml/2006/main" xmlns:r="http://schemas.openxmlformats.org/officeDocument/2006/relationships" xmlns:p="http://schemas.openxmlformats.org/presentationml/2006/main">
   <p:cSld>
     <p:spTree>
@@ -7985,7 +8544,7 @@
 </p:sld>
 </file>
 
-<file path=ppt/slides/slide19.xml><?xml version="1.0" encoding="utf-8"?>
+<file path=ppt/slides/slide23.xml><?xml version="1.0" encoding="utf-8"?>
 <p:sld xmlns:a="http://schemas.openxmlformats.org/drawingml/2006/main" xmlns:r="http://schemas.openxmlformats.org/officeDocument/2006/relationships" xmlns:p="http://schemas.openxmlformats.org/presentationml/2006/main">
   <p:cSld>
     <p:spTree>
@@ -8002,68 +8561,6 @@
           <a:chExt cx="0" cy="0"/>
         </a:xfrm>
       </p:grpSpPr>
-    </p:spTree>
-    <p:custDataLst>
-      <p:tags r:id="rId1"/>
-    </p:custDataLst>
-  </p:cSld>
-  <p:clrMapOvr>
-    <a:masterClrMapping/>
-  </p:clrMapOvr>
-</p:sld>
-</file>
-
-<file path=ppt/slides/slide2.xml><?xml version="1.0" encoding="utf-8"?>
-<p:sld xmlns:a="http://schemas.openxmlformats.org/drawingml/2006/main" xmlns:r="http://schemas.openxmlformats.org/officeDocument/2006/relationships" xmlns:p="http://schemas.openxmlformats.org/presentationml/2006/main">
-  <p:cSld>
-    <p:spTree>
-      <p:nvGrpSpPr>
-        <p:cNvPr id="1" name=""/>
-        <p:cNvGrpSpPr/>
-        <p:nvPr/>
-      </p:nvGrpSpPr>
-      <p:grpSpPr>
-        <a:xfrm>
-          <a:off x="0" y="0"/>
-          <a:ext cx="0" cy="0"/>
-          <a:chOff x="0" y="0"/>
-          <a:chExt cx="0" cy="0"/>
-        </a:xfrm>
-      </p:grpSpPr>
-      <p:sp>
-        <p:nvSpPr>
-          <p:cNvPr id="2" name="标题 1"/>
-          <p:cNvSpPr>
-            <a:spLocks noGrp="1"/>
-          </p:cNvSpPr>
-          <p:nvPr>
-            <p:ph type="title"/>
-          </p:nvPr>
-        </p:nvSpPr>
-        <p:spPr>
-          <a:xfrm>
-            <a:off x="669882" y="2108221"/>
-            <a:ext cx="10852237" cy="899167"/>
-          </a:xfrm>
-        </p:spPr>
-        <p:txBody>
-          <a:bodyPr/>
-          <a:lstStyle/>
-          <a:p>
-            <a:r>
-              <a:rPr lang="zh-CN" altLang="en-US" dirty="0"/>
-              <a:t>第三节课：</a:t>
-            </a:r>
-            <a:br>
-              <a:rPr lang="en-US" altLang="zh-CN" dirty="0"/>
-            </a:br>
-            <a:r>
-              <a:rPr lang="zh-CN" altLang="en-US" dirty="0"/>
-              <a:t>全连接层的前向和后向传播推导（上）</a:t>
-            </a:r>
-          </a:p>
-        </p:txBody>
-      </p:sp>
     </p:spTree>
     <p:custDataLst>
       <p:tags r:id="rId1"/>
@@ -8290,116 +8787,6 @@
 </file>
 
 <file path=ppt/slides/slide4.xml><?xml version="1.0" encoding="utf-8"?>
-<p:sld xmlns:a="http://schemas.openxmlformats.org/drawingml/2006/main" xmlns:r="http://schemas.openxmlformats.org/officeDocument/2006/relationships" xmlns:p="http://schemas.openxmlformats.org/presentationml/2006/main">
-  <p:cSld>
-    <p:spTree>
-      <p:nvGrpSpPr>
-        <p:cNvPr id="1" name=""/>
-        <p:cNvGrpSpPr/>
-        <p:nvPr/>
-      </p:nvGrpSpPr>
-      <p:grpSpPr>
-        <a:xfrm>
-          <a:off x="0" y="0"/>
-          <a:ext cx="0" cy="0"/>
-          <a:chOff x="0" y="0"/>
-          <a:chExt cx="0" cy="0"/>
-        </a:xfrm>
-      </p:grpSpPr>
-      <p:sp>
-        <p:nvSpPr>
-          <p:cNvPr id="2" name="文本占位符 1"/>
-          <p:cNvSpPr>
-            <a:spLocks noGrp="1"/>
-          </p:cNvSpPr>
-          <p:nvPr>
-            <p:ph type="body" idx="1"/>
-          </p:nvPr>
-        </p:nvSpPr>
-        <p:spPr/>
-        <p:txBody>
-          <a:bodyPr/>
-          <a:lstStyle/>
-          <a:p>
-            <a:pPr marL="285750" indent="-285750">
-              <a:buFont typeface="Arial" panose="020B0604020202020204" pitchFamily="34" charset="0"/>
-              <a:buChar char="•"/>
-            </a:pPr>
-            <a:r>
-              <a:rPr lang="zh-CN" altLang="en-US" dirty="0"/>
-              <a:t>如果再增加多个隐藏层，又该如何计算梯度求导？</a:t>
-            </a:r>
-            <a:endParaRPr lang="en-US" altLang="zh-CN" dirty="0"/>
-          </a:p>
-          <a:p>
-            <a:pPr marL="285750" indent="-285750">
-              <a:buFont typeface="Arial" panose="020B0604020202020204" pitchFamily="34" charset="0"/>
-              <a:buChar char="•"/>
-            </a:pPr>
-            <a:r>
-              <a:rPr lang="zh-CN" altLang="en-US" dirty="0"/>
-              <a:t>权重、偏移的数量太多，导致前向传播和梯度求导的计算很臃肿，如何优化？</a:t>
-            </a:r>
-            <a:endParaRPr lang="en-US" altLang="zh-CN" dirty="0"/>
-          </a:p>
-          <a:p>
-            <a:pPr marL="285750" indent="-285750">
-              <a:buFont typeface="Arial" panose="020B0604020202020204" pitchFamily="34" charset="0"/>
-              <a:buChar char="•"/>
-            </a:pPr>
-            <a:r>
-              <a:rPr lang="zh-CN" altLang="en-US" dirty="0"/>
-              <a:t>能否推出一个针对所有的隐藏层的通用的计算公式？</a:t>
-            </a:r>
-            <a:endParaRPr lang="en-US" altLang="zh-CN" dirty="0"/>
-          </a:p>
-          <a:p>
-            <a:endParaRPr lang="en-US" altLang="zh-CN" dirty="0"/>
-          </a:p>
-        </p:txBody>
-      </p:sp>
-      <p:sp>
-        <p:nvSpPr>
-          <p:cNvPr id="3" name="标题 2"/>
-          <p:cNvSpPr>
-            <a:spLocks noGrp="1"/>
-          </p:cNvSpPr>
-          <p:nvPr>
-            <p:ph type="title"/>
-          </p:nvPr>
-        </p:nvSpPr>
-        <p:spPr/>
-        <p:txBody>
-          <a:bodyPr/>
-          <a:lstStyle/>
-          <a:p>
-            <a:r>
-              <a:rPr lang="zh-CN" altLang="en-US" dirty="0"/>
-              <a:t>为什么要学习本课？</a:t>
-            </a:r>
-            <a:endParaRPr dirty="0">
-              <a:sym typeface="+mn-ea"/>
-            </a:endParaRPr>
-          </a:p>
-        </p:txBody>
-      </p:sp>
-    </p:spTree>
-    <p:custDataLst>
-      <p:tags r:id="rId1"/>
-    </p:custDataLst>
-    <p:extLst>
-      <p:ext uri="{BB962C8B-B14F-4D97-AF65-F5344CB8AC3E}">
-        <p14:creationId xmlns:p14="http://schemas.microsoft.com/office/powerpoint/2010/main" val="2657445567"/>
-      </p:ext>
-    </p:extLst>
-  </p:cSld>
-  <p:clrMapOvr>
-    <a:masterClrMapping/>
-  </p:clrMapOvr>
-</p:sld>
-</file>
-
-<file path=ppt/slides/slide5.xml><?xml version="1.0" encoding="utf-8"?>
 <p:sld xmlns:a="http://schemas.openxmlformats.org/drawingml/2006/main" xmlns:r="http://schemas.openxmlformats.org/officeDocument/2006/relationships" xmlns:p="http://schemas.openxmlformats.org/presentationml/2006/main">
   <p:cSld>
     <p:spTree>
@@ -8897,6 +9284,102 @@
 </p:sld>
 </file>
 
+<file path=ppt/slides/slide5.xml><?xml version="1.0" encoding="utf-8"?>
+<p:sld xmlns:a="http://schemas.openxmlformats.org/drawingml/2006/main" xmlns:r="http://schemas.openxmlformats.org/officeDocument/2006/relationships" xmlns:p="http://schemas.openxmlformats.org/presentationml/2006/main">
+  <p:cSld>
+    <p:spTree>
+      <p:nvGrpSpPr>
+        <p:cNvPr id="1" name=""/>
+        <p:cNvGrpSpPr/>
+        <p:nvPr/>
+      </p:nvGrpSpPr>
+      <p:grpSpPr>
+        <a:xfrm>
+          <a:off x="0" y="0"/>
+          <a:ext cx="0" cy="0"/>
+          <a:chOff x="0" y="0"/>
+          <a:chExt cx="0" cy="0"/>
+        </a:xfrm>
+      </p:grpSpPr>
+      <p:sp>
+        <p:nvSpPr>
+          <p:cNvPr id="2" name="文本占位符 1"/>
+          <p:cNvSpPr>
+            <a:spLocks noGrp="1"/>
+          </p:cNvSpPr>
+          <p:nvPr>
+            <p:ph type="body" idx="1"/>
+          </p:nvPr>
+        </p:nvSpPr>
+        <p:spPr/>
+        <p:txBody>
+          <a:bodyPr/>
+          <a:lstStyle/>
+          <a:p>
+            <a:pPr marL="285750" indent="-285750">
+              <a:buFont typeface="Arial" panose="020B0604020202020204" pitchFamily="34" charset="0"/>
+              <a:buChar char="•"/>
+            </a:pPr>
+            <a:r>
+              <a:rPr lang="zh-CN" altLang="en-US" dirty="0"/>
+              <a:t>权重、偏移的数量太多，导致前向传播和梯度求导的计算很臃肿，如何优化？</a:t>
+            </a:r>
+            <a:endParaRPr lang="en-US" altLang="zh-CN" dirty="0"/>
+          </a:p>
+          <a:p>
+            <a:pPr marL="285750" indent="-285750">
+              <a:buFont typeface="Arial" panose="020B0604020202020204" pitchFamily="34" charset="0"/>
+              <a:buChar char="•"/>
+            </a:pPr>
+            <a:r>
+              <a:rPr lang="zh-CN" altLang="en-US" dirty="0"/>
+              <a:t>如果增加隐藏层中的神经元数量，如何才能不影响前向传播的计算公式？</a:t>
+            </a:r>
+            <a:endParaRPr lang="en-US" altLang="zh-CN" dirty="0"/>
+          </a:p>
+        </p:txBody>
+      </p:sp>
+      <p:sp>
+        <p:nvSpPr>
+          <p:cNvPr id="3" name="标题 2"/>
+          <p:cNvSpPr>
+            <a:spLocks noGrp="1"/>
+          </p:cNvSpPr>
+          <p:nvPr>
+            <p:ph type="title"/>
+          </p:nvPr>
+        </p:nvSpPr>
+        <p:spPr/>
+        <p:txBody>
+          <a:bodyPr/>
+          <a:lstStyle/>
+          <a:p>
+            <a:r>
+              <a:rPr lang="zh-CN" altLang="en-US" dirty="0"/>
+              <a:t>为什么要学习本课？</a:t>
+            </a:r>
+            <a:endParaRPr dirty="0">
+              <a:sym typeface="+mn-ea"/>
+            </a:endParaRPr>
+          </a:p>
+        </p:txBody>
+      </p:sp>
+    </p:spTree>
+    <p:custDataLst>
+      <p:tags r:id="rId1"/>
+    </p:custDataLst>
+    <p:extLst>
+      <p:ext uri="{BB962C8B-B14F-4D97-AF65-F5344CB8AC3E}">
+        <p14:creationId xmlns:p14="http://schemas.microsoft.com/office/powerpoint/2010/main" val="2657445567"/>
+      </p:ext>
+    </p:extLst>
+  </p:cSld>
+  <p:clrMapOvr>
+    <a:masterClrMapping/>
+  </p:clrMapOvr>
+</p:sld>
+</file>
+
 <file path=ppt/slides/slide6.xml><?xml version="1.0" encoding="utf-8"?>
 <p:sld xmlns:a="http://schemas.openxmlformats.org/drawingml/2006/main" xmlns:r="http://schemas.openxmlformats.org/officeDocument/2006/relationships" xmlns:p="http://schemas.openxmlformats.org/presentationml/2006/main">
   <p:cSld>
@@ -9449,10 +9932,10 @@
       </p:pic>
       <p:pic>
         <p:nvPicPr>
-          <p:cNvPr id="9" name="图片 8">
+          <p:cNvPr id="13" name="图片 12">
             <a:extLst>
               <a:ext uri="{FF2B5EF4-FFF2-40B4-BE49-F238E27FC236}">
-                <a16:creationId xmlns:a16="http://schemas.microsoft.com/office/drawing/2014/main" id="{165CE0C9-72C2-AA0A-1A63-31814841F93E}"/>
+                <a16:creationId xmlns:a16="http://schemas.microsoft.com/office/drawing/2014/main" id="{1ACAAF44-85D2-8871-D213-0EB4553DF258}"/>
               </a:ext>
             </a:extLst>
           </p:cNvPr>
@@ -9475,8 +9958,8 @@
         </p:blipFill>
         <p:spPr>
           <a:xfrm>
-            <a:off x="3180290" y="3007615"/>
-            <a:ext cx="5691909" cy="3110150"/>
+            <a:off x="3150723" y="3555730"/>
+            <a:ext cx="5236789" cy="2960775"/>
           </a:xfrm>
           <a:prstGeom prst="rect">
             <a:avLst/>
@@ -10774,6 +11257,15 @@
 </p:tagLst>
 </file>
 
+<file path=ppt/tags/tag89.xml><?xml version="1.0" encoding="utf-8"?>
+<p:tagLst xmlns:a="http://schemas.openxmlformats.org/drawingml/2006/main" xmlns:r="http://schemas.openxmlformats.org/officeDocument/2006/relationships" xmlns:p="http://schemas.openxmlformats.org/presentationml/2006/main">
+  <p:tag name="KSO_WM_BEAUTIFY_FLAG" val="#wm#"/>
+  <p:tag name="KSO_WM_TEMPLATE_CATEGORY" val="custom"/>
+  <p:tag name="KSO_WM_TEMPLATE_INDEX" val="20187308"/>
+  <p:tag name="KSO_WM_SPECIAL_SOURCE" val="bdnull"/>
+</p:tagLst>
+</file>
+
 <file path=ppt/tags/tag9.xml><?xml version="1.0" encoding="utf-8"?>
 <p:tagLst xmlns:a="http://schemas.openxmlformats.org/drawingml/2006/main" xmlns:r="http://schemas.openxmlformats.org/officeDocument/2006/relationships" xmlns:p="http://schemas.openxmlformats.org/presentationml/2006/main">
   <p:tag name="KSO_WM_UNIT_HIGHLIGHT" val="0"/>
@@ -10784,6 +11276,33 @@
   <p:tag name="KSO_WM_UNIT_LAYERLEVEL" val="1"/>
   <p:tag name="KSO_WM_TAG_VERSION" val="1.0"/>
   <p:tag name="KSO_WM_BEAUTIFY_FLAG" val="#wm#"/>
+</p:tagLst>
+</file>
+
+<file path=ppt/tags/tag90.xml><?xml version="1.0" encoding="utf-8"?>
+<p:tagLst xmlns:a="http://schemas.openxmlformats.org/drawingml/2006/main" xmlns:r="http://schemas.openxmlformats.org/officeDocument/2006/relationships" xmlns:p="http://schemas.openxmlformats.org/presentationml/2006/main">
+  <p:tag name="KSO_WM_BEAUTIFY_FLAG" val="#wm#"/>
+  <p:tag name="KSO_WM_TEMPLATE_CATEGORY" val="custom"/>
+  <p:tag name="KSO_WM_TEMPLATE_INDEX" val="20187308"/>
+  <p:tag name="KSO_WM_SPECIAL_SOURCE" val="bdnull"/>
+</p:tagLst>
+</file>
+
+<file path=ppt/tags/tag91.xml><?xml version="1.0" encoding="utf-8"?>
+<p:tagLst xmlns:a="http://schemas.openxmlformats.org/drawingml/2006/main" xmlns:r="http://schemas.openxmlformats.org/officeDocument/2006/relationships" xmlns:p="http://schemas.openxmlformats.org/presentationml/2006/main">
+  <p:tag name="KSO_WM_BEAUTIFY_FLAG" val="#wm#"/>
+  <p:tag name="KSO_WM_TEMPLATE_CATEGORY" val="custom"/>
+  <p:tag name="KSO_WM_TEMPLATE_INDEX" val="20187308"/>
+  <p:tag name="KSO_WM_SPECIAL_SOURCE" val="bdnull"/>
+</p:tagLst>
+</file>
+
+<file path=ppt/tags/tag92.xml><?xml version="1.0" encoding="utf-8"?>
+<p:tagLst xmlns:a="http://schemas.openxmlformats.org/drawingml/2006/main" xmlns:r="http://schemas.openxmlformats.org/officeDocument/2006/relationships" xmlns:p="http://schemas.openxmlformats.org/presentationml/2006/main">
+  <p:tag name="KSO_WM_BEAUTIFY_FLAG" val="#wm#"/>
+  <p:tag name="KSO_WM_TEMPLATE_CATEGORY" val="custom"/>
+  <p:tag name="KSO_WM_TEMPLATE_INDEX" val="20187308"/>
+  <p:tag name="KSO_WM_SPECIAL_SOURCE" val="bdnull"/>
 </p:tagLst>
 </file>
 

--- a/lessons/3_derivation/ppt/全连接层的前向和后向传播推导.pptx
+++ b/lessons/3_derivation/ppt/全连接层的前向和后向传播推导.pptx
@@ -8608,7 +8608,43 @@
               <a:buFont typeface="Arial" panose="020B0604020202020204" pitchFamily="34" charset="0"/>
               <a:buChar char="•"/>
             </a:pPr>
-            <a:endParaRPr lang="zh-CN" altLang="en-US" dirty="0"/>
+            <a:r>
+              <a:rPr lang="zh-CN" altLang="en-US" dirty="0"/>
+              <a:t>回顾相关课程内容</a:t>
+            </a:r>
+            <a:endParaRPr lang="en-US" altLang="zh-CN" dirty="0"/>
+          </a:p>
+          <a:p>
+            <a:pPr marL="285750" indent="-285750">
+              <a:buFont typeface="Arial" panose="020B0604020202020204" pitchFamily="34" charset="0"/>
+              <a:buChar char="•"/>
+            </a:pPr>
+            <a:r>
+              <a:rPr lang="zh-CN" altLang="en-US" dirty="0"/>
+              <a:t>为什么要学习本课？</a:t>
+            </a:r>
+            <a:endParaRPr lang="en-US" altLang="zh-CN" dirty="0"/>
+          </a:p>
+          <a:p>
+            <a:pPr marL="285750" indent="-285750">
+              <a:buFont typeface="Arial" panose="020B0604020202020204" pitchFamily="34" charset="0"/>
+              <a:buChar char="•"/>
+            </a:pPr>
+            <a:r>
+              <a:rPr lang="zh-CN" altLang="en-US" dirty="0"/>
+              <a:t>主问题：向量化</a:t>
+            </a:r>
+            <a:endParaRPr lang="en-US" altLang="zh-CN" dirty="0"/>
+          </a:p>
+          <a:p>
+            <a:pPr marL="285750" indent="-285750">
+              <a:buFont typeface="Arial" panose="020B0604020202020204" pitchFamily="34" charset="0"/>
+              <a:buChar char="•"/>
+            </a:pPr>
+            <a:r>
+              <a:rPr lang="zh-CN" altLang="en-US" dirty="0"/>
+              <a:t>主问题：如何推导全连接层的前向传播？</a:t>
+            </a:r>
           </a:p>
         </p:txBody>
       </p:sp>
@@ -8663,15 +8699,10 @@
                             </p:stCondLst>
                             <p:childTnLst>
                               <p:par>
-                                <p:cTn id="5" presetID="1" presetClass="entr" presetSubtype="0" fill="hold" nodeType="clickEffect" nodePh="1">
+                                <p:cTn id="5" presetID="1" presetClass="entr" presetSubtype="0" fill="hold" grpId="0" nodeType="clickEffect">
                                   <p:stCondLst>
                                     <p:cond delay="0"/>
                                   </p:stCondLst>
-                                  <p:endCondLst>
-                                    <p:cond evt="begin" delay="0">
-                                      <p:tn val="5"/>
-                                    </p:cond>
-                                  </p:endCondLst>
                                   <p:childTnLst>
                                     <p:set>
                                       <p:cBhvr>
@@ -8717,15 +8748,10 @@
                             </p:stCondLst>
                             <p:childTnLst>
                               <p:par>
-                                <p:cTn id="9" presetID="1" presetClass="entr" presetSubtype="0" fill="hold" grpId="0" nodeType="clickEffect" nodePh="1">
+                                <p:cTn id="9" presetID="1" presetClass="entr" presetSubtype="0" fill="hold" grpId="0" nodeType="clickEffect">
                                   <p:stCondLst>
                                     <p:cond delay="0"/>
                                   </p:stCondLst>
-                                  <p:endCondLst>
-                                    <p:cond evt="begin" delay="0">
-                                      <p:tn val="9"/>
-                                    </p:cond>
-                                  </p:endCondLst>
                                   <p:childTnLst>
                                     <p:set>
                                       <p:cBhvr>
@@ -8737,7 +8763,105 @@
                                         <p:tgtEl>
                                           <p:spTgt spid="2">
                                             <p:txEl>
-                                              <p:pRg st="0" end="0"/>
+                                              <p:pRg st="1" end="1"/>
+                                            </p:txEl>
+                                          </p:spTgt>
+                                        </p:tgtEl>
+                                        <p:attrNameLst>
+                                          <p:attrName>style.visibility</p:attrName>
+                                        </p:attrNameLst>
+                                      </p:cBhvr>
+                                      <p:to>
+                                        <p:strVal val="visible"/>
+                                      </p:to>
+                                    </p:set>
+                                  </p:childTnLst>
+                                </p:cTn>
+                              </p:par>
+                            </p:childTnLst>
+                          </p:cTn>
+                        </p:par>
+                      </p:childTnLst>
+                    </p:cTn>
+                  </p:par>
+                  <p:par>
+                    <p:cTn id="11" fill="hold">
+                      <p:stCondLst>
+                        <p:cond delay="indefinite"/>
+                      </p:stCondLst>
+                      <p:childTnLst>
+                        <p:par>
+                          <p:cTn id="12" fill="hold">
+                            <p:stCondLst>
+                              <p:cond delay="0"/>
+                            </p:stCondLst>
+                            <p:childTnLst>
+                              <p:par>
+                                <p:cTn id="13" presetID="1" presetClass="entr" presetSubtype="0" fill="hold" grpId="0" nodeType="clickEffect">
+                                  <p:stCondLst>
+                                    <p:cond delay="0"/>
+                                  </p:stCondLst>
+                                  <p:childTnLst>
+                                    <p:set>
+                                      <p:cBhvr>
+                                        <p:cTn id="14" dur="1" fill="hold">
+                                          <p:stCondLst>
+                                            <p:cond delay="0"/>
+                                          </p:stCondLst>
+                                        </p:cTn>
+                                        <p:tgtEl>
+                                          <p:spTgt spid="2">
+                                            <p:txEl>
+                                              <p:pRg st="2" end="2"/>
+                                            </p:txEl>
+                                          </p:spTgt>
+                                        </p:tgtEl>
+                                        <p:attrNameLst>
+                                          <p:attrName>style.visibility</p:attrName>
+                                        </p:attrNameLst>
+                                      </p:cBhvr>
+                                      <p:to>
+                                        <p:strVal val="visible"/>
+                                      </p:to>
+                                    </p:set>
+                                  </p:childTnLst>
+                                </p:cTn>
+                              </p:par>
+                            </p:childTnLst>
+                          </p:cTn>
+                        </p:par>
+                      </p:childTnLst>
+                    </p:cTn>
+                  </p:par>
+                  <p:par>
+                    <p:cTn id="15" fill="hold">
+                      <p:stCondLst>
+                        <p:cond delay="indefinite"/>
+                      </p:stCondLst>
+                      <p:childTnLst>
+                        <p:par>
+                          <p:cTn id="16" fill="hold">
+                            <p:stCondLst>
+                              <p:cond delay="0"/>
+                            </p:stCondLst>
+                            <p:childTnLst>
+                              <p:par>
+                                <p:cTn id="17" presetID="1" presetClass="entr" presetSubtype="0" fill="hold" grpId="0" nodeType="clickEffect">
+                                  <p:stCondLst>
+                                    <p:cond delay="0"/>
+                                  </p:stCondLst>
+                                  <p:childTnLst>
+                                    <p:set>
+                                      <p:cBhvr>
+                                        <p:cTn id="18" dur="1" fill="hold">
+                                          <p:stCondLst>
+                                            <p:cond delay="0"/>
+                                          </p:stCondLst>
+                                        </p:cTn>
+                                        <p:tgtEl>
+                                          <p:spTgt spid="2">
+                                            <p:txEl>
+                                              <p:pRg st="3" end="3"/>
                                             </p:txEl>
                                           </p:spTgt>
                                         </p:tgtEl>
@@ -9187,11 +9311,7 @@
                                           </p:stCondLst>
                                         </p:cTn>
                                         <p:tgtEl>
-                                          <p:spTgt spid="2">
-                                            <p:txEl>
-                                              <p:pRg st="3" end="3"/>
-                                            </p:txEl>
-                                          </p:spTgt>
+                                          <p:spTgt spid="1026"/>
                                         </p:tgtEl>
                                         <p:attrNameLst>
                                           <p:attrName>style.visibility</p:attrName>
@@ -9231,6 +9351,55 @@
                                     <p:set>
                                       <p:cBhvr>
                                         <p:cTn id="22" dur="1" fill="hold">
+                                          <p:stCondLst>
+                                            <p:cond delay="0"/>
+                                          </p:stCondLst>
+                                        </p:cTn>
+                                        <p:tgtEl>
+                                          <p:spTgt spid="2">
+                                            <p:txEl>
+                                              <p:pRg st="3" end="3"/>
+                                            </p:txEl>
+                                          </p:spTgt>
+                                        </p:tgtEl>
+                                        <p:attrNameLst>
+                                          <p:attrName>style.visibility</p:attrName>
+                                        </p:attrNameLst>
+                                      </p:cBhvr>
+                                      <p:to>
+                                        <p:strVal val="visible"/>
+                                      </p:to>
+                                    </p:set>
+                                  </p:childTnLst>
+                                </p:cTn>
+                              </p:par>
+                            </p:childTnLst>
+                          </p:cTn>
+                        </p:par>
+                      </p:childTnLst>
+                    </p:cTn>
+                  </p:par>
+                  <p:par>
+                    <p:cTn id="23" fill="hold">
+                      <p:stCondLst>
+                        <p:cond delay="indefinite"/>
+                      </p:stCondLst>
+                      <p:childTnLst>
+                        <p:par>
+                          <p:cTn id="24" fill="hold">
+                            <p:stCondLst>
+                              <p:cond delay="0"/>
+                            </p:stCondLst>
+                            <p:childTnLst>
+                              <p:par>
+                                <p:cTn id="25" presetID="1" presetClass="entr" presetSubtype="0" fill="hold" nodeType="clickEffect">
+                                  <p:stCondLst>
+                                    <p:cond delay="0"/>
+                                  </p:stCondLst>
+                                  <p:childTnLst>
+                                    <p:set>
+                                      <p:cBhvr>
+                                        <p:cTn id="26" dur="1" fill="hold">
                                           <p:stCondLst>
                                             <p:cond delay="0"/>
                                           </p:stCondLst>
@@ -9333,7 +9502,26 @@
             </a:pPr>
             <a:r>
               <a:rPr lang="zh-CN" altLang="en-US" dirty="0"/>
-              <a:t>如果增加隐藏层中的神经元数量，如何才能不影响前向传播的计算公式？</a:t>
+              <a:t>如果增加隐藏层中的神经元数量，如何才能不修改前向传播的计算公式？</a:t>
+            </a:r>
+            <a:endParaRPr lang="en-US" altLang="zh-CN" dirty="0"/>
+          </a:p>
+          <a:p>
+            <a:pPr marL="285750" indent="-285750">
+              <a:buFont typeface="Arial" panose="020B0604020202020204" pitchFamily="34" charset="0"/>
+              <a:buChar char="•"/>
+            </a:pPr>
+            <a:r>
+              <a:rPr kumimoji="1" lang="zh-CN" altLang="en-US" dirty="0"/>
+              <a:t>如何扩展判断性别</a:t>
+            </a:r>
+            <a:r>
+              <a:rPr kumimoji="1" lang="en-US" altLang="zh-CN" dirty="0"/>
+              <a:t>Demo</a:t>
+            </a:r>
+            <a:r>
+              <a:rPr kumimoji="1" lang="zh-CN" altLang="en-US" dirty="0"/>
+              <a:t>的三层神经网络，从而处理更多的输入参数和输出数据？</a:t>
             </a:r>
             <a:endParaRPr lang="en-US" altLang="zh-CN" dirty="0"/>
           </a:p>
@@ -9377,6 +9565,186 @@
   <p:clrMapOvr>
     <a:masterClrMapping/>
   </p:clrMapOvr>
+  <p:timing>
+    <p:tnLst>
+      <p:par>
+        <p:cTn id="1" dur="indefinite" restart="never" nodeType="tmRoot">
+          <p:childTnLst>
+            <p:seq concurrent="1" nextAc="seek">
+              <p:cTn id="2" dur="indefinite" nodeType="mainSeq">
+                <p:childTnLst>
+                  <p:par>
+                    <p:cTn id="3" fill="hold">
+                      <p:stCondLst>
+                        <p:cond delay="indefinite"/>
+                      </p:stCondLst>
+                      <p:childTnLst>
+                        <p:par>
+                          <p:cTn id="4" fill="hold">
+                            <p:stCondLst>
+                              <p:cond delay="0"/>
+                            </p:stCondLst>
+                            <p:childTnLst>
+                              <p:par>
+                                <p:cTn id="5" presetID="1" presetClass="entr" presetSubtype="0" fill="hold" grpId="0" nodeType="clickEffect">
+                                  <p:stCondLst>
+                                    <p:cond delay="0"/>
+                                  </p:stCondLst>
+                                  <p:childTnLst>
+                                    <p:set>
+                                      <p:cBhvr>
+                                        <p:cTn id="6" dur="1" fill="hold">
+                                          <p:stCondLst>
+                                            <p:cond delay="0"/>
+                                          </p:stCondLst>
+                                        </p:cTn>
+                                        <p:tgtEl>
+                                          <p:spTgt spid="2">
+                                            <p:txEl>
+                                              <p:pRg st="0" end="0"/>
+                                            </p:txEl>
+                                          </p:spTgt>
+                                        </p:tgtEl>
+                                        <p:attrNameLst>
+                                          <p:attrName>style.visibility</p:attrName>
+                                        </p:attrNameLst>
+                                      </p:cBhvr>
+                                      <p:to>
+                                        <p:strVal val="visible"/>
+                                      </p:to>
+                                    </p:set>
+                                  </p:childTnLst>
+                                </p:cTn>
+                              </p:par>
+                            </p:childTnLst>
+                          </p:cTn>
+                        </p:par>
+                      </p:childTnLst>
+                    </p:cTn>
+                  </p:par>
+                  <p:par>
+                    <p:cTn id="7" fill="hold">
+                      <p:stCondLst>
+                        <p:cond delay="indefinite"/>
+                      </p:stCondLst>
+                      <p:childTnLst>
+                        <p:par>
+                          <p:cTn id="8" fill="hold">
+                            <p:stCondLst>
+                              <p:cond delay="0"/>
+                            </p:stCondLst>
+                            <p:childTnLst>
+                              <p:par>
+                                <p:cTn id="9" presetID="1" presetClass="entr" presetSubtype="0" fill="hold" grpId="0" nodeType="clickEffect">
+                                  <p:stCondLst>
+                                    <p:cond delay="0"/>
+                                  </p:stCondLst>
+                                  <p:childTnLst>
+                                    <p:set>
+                                      <p:cBhvr>
+                                        <p:cTn id="10" dur="1" fill="hold">
+                                          <p:stCondLst>
+                                            <p:cond delay="0"/>
+                                          </p:stCondLst>
+                                        </p:cTn>
+                                        <p:tgtEl>
+                                          <p:spTgt spid="2">
+                                            <p:txEl>
+                                              <p:pRg st="1" end="1"/>
+                                            </p:txEl>
+                                          </p:spTgt>
+                                        </p:tgtEl>
+                                        <p:attrNameLst>
+                                          <p:attrName>style.visibility</p:attrName>
+                                        </p:attrNameLst>
+                                      </p:cBhvr>
+                                      <p:to>
+                                        <p:strVal val="visible"/>
+                                      </p:to>
+                                    </p:set>
+                                  </p:childTnLst>
+                                </p:cTn>
+                              </p:par>
+                            </p:childTnLst>
+                          </p:cTn>
+                        </p:par>
+                      </p:childTnLst>
+                    </p:cTn>
+                  </p:par>
+                  <p:par>
+                    <p:cTn id="11" fill="hold">
+                      <p:stCondLst>
+                        <p:cond delay="indefinite"/>
+                      </p:stCondLst>
+                      <p:childTnLst>
+                        <p:par>
+                          <p:cTn id="12" fill="hold">
+                            <p:stCondLst>
+                              <p:cond delay="0"/>
+                            </p:stCondLst>
+                            <p:childTnLst>
+                              <p:par>
+                                <p:cTn id="13" presetID="1" presetClass="entr" presetSubtype="0" fill="hold" grpId="0" nodeType="clickEffect">
+                                  <p:stCondLst>
+                                    <p:cond delay="0"/>
+                                  </p:stCondLst>
+                                  <p:childTnLst>
+                                    <p:set>
+                                      <p:cBhvr>
+                                        <p:cTn id="14" dur="1" fill="hold">
+                                          <p:stCondLst>
+                                            <p:cond delay="0"/>
+                                          </p:stCondLst>
+                                        </p:cTn>
+                                        <p:tgtEl>
+                                          <p:spTgt spid="2">
+                                            <p:txEl>
+                                              <p:pRg st="2" end="2"/>
+                                            </p:txEl>
+                                          </p:spTgt>
+                                        </p:tgtEl>
+                                        <p:attrNameLst>
+                                          <p:attrName>style.visibility</p:attrName>
+                                        </p:attrNameLst>
+                                      </p:cBhvr>
+                                      <p:to>
+                                        <p:strVal val="visible"/>
+                                      </p:to>
+                                    </p:set>
+                                  </p:childTnLst>
+                                </p:cTn>
+                              </p:par>
+                            </p:childTnLst>
+                          </p:cTn>
+                        </p:par>
+                      </p:childTnLst>
+                    </p:cTn>
+                  </p:par>
+                </p:childTnLst>
+              </p:cTn>
+              <p:prevCondLst>
+                <p:cond evt="onPrev" delay="0">
+                  <p:tgtEl>
+                    <p:sldTgt/>
+                  </p:tgtEl>
+                </p:cond>
+              </p:prevCondLst>
+              <p:nextCondLst>
+                <p:cond evt="onNext" delay="0">
+                  <p:tgtEl>
+                    <p:sldTgt/>
+                  </p:tgtEl>
+                </p:cond>
+              </p:nextCondLst>
+            </p:seq>
+          </p:childTnLst>
+        </p:cTn>
+      </p:par>
+    </p:tnLst>
+    <p:bldLst>
+      <p:bldP spid="2" grpId="0" build="p"/>
+    </p:bldLst>
+  </p:timing>
 </p:sld>
 </file>
 
@@ -9482,7 +9850,7 @@
             </a:pPr>
             <a:r>
               <a:rPr lang="zh-CN" altLang="en-US" dirty="0"/>
-              <a:t>如何计算一个神经元的输出？</a:t>
+              <a:t>一个神经元的输出的计算公式是什么？</a:t>
             </a:r>
             <a:endParaRPr lang="en-US" altLang="zh-CN" dirty="0"/>
           </a:p>
@@ -9506,7 +9874,10 @@
               <a:rPr lang="zh-CN" altLang="en-US" dirty="0"/>
               <a:t>避免计算过于臃肿</a:t>
             </a:r>
-            <a:endParaRPr lang="en-US" altLang="zh-CN" dirty="0"/>
+            <a:r>
+              <a:rPr lang="en-US" altLang="zh-CN" dirty="0"/>
+              <a:t>?</a:t>
+            </a:r>
           </a:p>
           <a:p>
             <a:pPr marL="742950" lvl="1" indent="-285750">
@@ -9515,7 +9886,7 @@
             </a:pPr>
             <a:r>
               <a:rPr lang="zh-CN" altLang="en-US" dirty="0"/>
-              <a:t>计算公式（计算代码）保持不变，只需要改变配置参数即可</a:t>
+              <a:t>计算公式（计算代码）保持不变，只需要改变配置参数即可？</a:t>
             </a:r>
             <a:endParaRPr lang="en-US" altLang="zh-CN" dirty="0"/>
           </a:p>
@@ -9653,6 +10024,325 @@
   <p:clrMapOvr>
     <a:masterClrMapping/>
   </p:clrMapOvr>
+  <p:timing>
+    <p:tnLst>
+      <p:par>
+        <p:cTn id="1" dur="indefinite" restart="never" nodeType="tmRoot">
+          <p:childTnLst>
+            <p:seq concurrent="1" nextAc="seek">
+              <p:cTn id="2" dur="indefinite" nodeType="mainSeq">
+                <p:childTnLst>
+                  <p:par>
+                    <p:cTn id="3" fill="hold">
+                      <p:stCondLst>
+                        <p:cond delay="indefinite"/>
+                      </p:stCondLst>
+                      <p:childTnLst>
+                        <p:par>
+                          <p:cTn id="4" fill="hold">
+                            <p:stCondLst>
+                              <p:cond delay="0"/>
+                            </p:stCondLst>
+                            <p:childTnLst>
+                              <p:par>
+                                <p:cTn id="5" presetID="1" presetClass="entr" presetSubtype="0" fill="hold" nodeType="clickEffect">
+                                  <p:stCondLst>
+                                    <p:cond delay="0"/>
+                                  </p:stCondLst>
+                                  <p:childTnLst>
+                                    <p:set>
+                                      <p:cBhvr>
+                                        <p:cTn id="6" dur="1" fill="hold">
+                                          <p:stCondLst>
+                                            <p:cond delay="0"/>
+                                          </p:stCondLst>
+                                        </p:cTn>
+                                        <p:tgtEl>
+                                          <p:spTgt spid="2050"/>
+                                        </p:tgtEl>
+                                        <p:attrNameLst>
+                                          <p:attrName>style.visibility</p:attrName>
+                                        </p:attrNameLst>
+                                      </p:cBhvr>
+                                      <p:to>
+                                        <p:strVal val="visible"/>
+                                      </p:to>
+                                    </p:set>
+                                  </p:childTnLst>
+                                </p:cTn>
+                              </p:par>
+                            </p:childTnLst>
+                          </p:cTn>
+                        </p:par>
+                      </p:childTnLst>
+                    </p:cTn>
+                  </p:par>
+                  <p:par>
+                    <p:cTn id="7" fill="hold">
+                      <p:stCondLst>
+                        <p:cond delay="indefinite"/>
+                      </p:stCondLst>
+                      <p:childTnLst>
+                        <p:par>
+                          <p:cTn id="8" fill="hold">
+                            <p:stCondLst>
+                              <p:cond delay="0"/>
+                            </p:stCondLst>
+                            <p:childTnLst>
+                              <p:par>
+                                <p:cTn id="9" presetID="1" presetClass="entr" presetSubtype="0" fill="hold" grpId="0" nodeType="clickEffect">
+                                  <p:stCondLst>
+                                    <p:cond delay="0"/>
+                                  </p:stCondLst>
+                                  <p:childTnLst>
+                                    <p:set>
+                                      <p:cBhvr>
+                                        <p:cTn id="10" dur="1" fill="hold">
+                                          <p:stCondLst>
+                                            <p:cond delay="0"/>
+                                          </p:stCondLst>
+                                        </p:cTn>
+                                        <p:tgtEl>
+                                          <p:spTgt spid="2">
+                                            <p:txEl>
+                                              <p:pRg st="0" end="0"/>
+                                            </p:txEl>
+                                          </p:spTgt>
+                                        </p:tgtEl>
+                                        <p:attrNameLst>
+                                          <p:attrName>style.visibility</p:attrName>
+                                        </p:attrNameLst>
+                                      </p:cBhvr>
+                                      <p:to>
+                                        <p:strVal val="visible"/>
+                                      </p:to>
+                                    </p:set>
+                                  </p:childTnLst>
+                                </p:cTn>
+                              </p:par>
+                            </p:childTnLst>
+                          </p:cTn>
+                        </p:par>
+                      </p:childTnLst>
+                    </p:cTn>
+                  </p:par>
+                  <p:par>
+                    <p:cTn id="11" fill="hold">
+                      <p:stCondLst>
+                        <p:cond delay="indefinite"/>
+                      </p:stCondLst>
+                      <p:childTnLst>
+                        <p:par>
+                          <p:cTn id="12" fill="hold">
+                            <p:stCondLst>
+                              <p:cond delay="0"/>
+                            </p:stCondLst>
+                            <p:childTnLst>
+                              <p:par>
+                                <p:cTn id="13" presetID="1" presetClass="entr" presetSubtype="0" fill="hold" nodeType="clickEffect">
+                                  <p:stCondLst>
+                                    <p:cond delay="0"/>
+                                  </p:stCondLst>
+                                  <p:childTnLst>
+                                    <p:set>
+                                      <p:cBhvr>
+                                        <p:cTn id="14" dur="1" fill="hold">
+                                          <p:stCondLst>
+                                            <p:cond delay="0"/>
+                                          </p:stCondLst>
+                                        </p:cTn>
+                                        <p:tgtEl>
+                                          <p:spTgt spid="2052"/>
+                                        </p:tgtEl>
+                                        <p:attrNameLst>
+                                          <p:attrName>style.visibility</p:attrName>
+                                        </p:attrNameLst>
+                                      </p:cBhvr>
+                                      <p:to>
+                                        <p:strVal val="visible"/>
+                                      </p:to>
+                                    </p:set>
+                                  </p:childTnLst>
+                                </p:cTn>
+                              </p:par>
+                            </p:childTnLst>
+                          </p:cTn>
+                        </p:par>
+                      </p:childTnLst>
+                    </p:cTn>
+                  </p:par>
+                  <p:par>
+                    <p:cTn id="15" fill="hold">
+                      <p:stCondLst>
+                        <p:cond delay="indefinite"/>
+                      </p:stCondLst>
+                      <p:childTnLst>
+                        <p:par>
+                          <p:cTn id="16" fill="hold">
+                            <p:stCondLst>
+                              <p:cond delay="0"/>
+                            </p:stCondLst>
+                            <p:childTnLst>
+                              <p:par>
+                                <p:cTn id="17" presetID="1" presetClass="entr" presetSubtype="0" fill="hold" grpId="0" nodeType="clickEffect">
+                                  <p:stCondLst>
+                                    <p:cond delay="0"/>
+                                  </p:stCondLst>
+                                  <p:childTnLst>
+                                    <p:set>
+                                      <p:cBhvr>
+                                        <p:cTn id="18" dur="1" fill="hold">
+                                          <p:stCondLst>
+                                            <p:cond delay="0"/>
+                                          </p:stCondLst>
+                                        </p:cTn>
+                                        <p:tgtEl>
+                                          <p:spTgt spid="2">
+                                            <p:txEl>
+                                              <p:pRg st="1" end="1"/>
+                                            </p:txEl>
+                                          </p:spTgt>
+                                        </p:tgtEl>
+                                        <p:attrNameLst>
+                                          <p:attrName>style.visibility</p:attrName>
+                                        </p:attrNameLst>
+                                      </p:cBhvr>
+                                      <p:to>
+                                        <p:strVal val="visible"/>
+                                      </p:to>
+                                    </p:set>
+                                  </p:childTnLst>
+                                </p:cTn>
+                              </p:par>
+                            </p:childTnLst>
+                          </p:cTn>
+                        </p:par>
+                      </p:childTnLst>
+                    </p:cTn>
+                  </p:par>
+                  <p:par>
+                    <p:cTn id="19" fill="hold">
+                      <p:stCondLst>
+                        <p:cond delay="indefinite"/>
+                      </p:stCondLst>
+                      <p:childTnLst>
+                        <p:par>
+                          <p:cTn id="20" fill="hold">
+                            <p:stCondLst>
+                              <p:cond delay="0"/>
+                            </p:stCondLst>
+                            <p:childTnLst>
+                              <p:par>
+                                <p:cTn id="21" presetID="1" presetClass="entr" presetSubtype="0" fill="hold" nodeType="clickEffect">
+                                  <p:stCondLst>
+                                    <p:cond delay="0"/>
+                                  </p:stCondLst>
+                                  <p:childTnLst>
+                                    <p:set>
+                                      <p:cBhvr>
+                                        <p:cTn id="22" dur="1" fill="hold">
+                                          <p:stCondLst>
+                                            <p:cond delay="0"/>
+                                          </p:stCondLst>
+                                        </p:cTn>
+                                        <p:tgtEl>
+                                          <p:spTgt spid="2">
+                                            <p:txEl>
+                                              <p:pRg st="2" end="2"/>
+                                            </p:txEl>
+                                          </p:spTgt>
+                                        </p:tgtEl>
+                                        <p:attrNameLst>
+                                          <p:attrName>style.visibility</p:attrName>
+                                        </p:attrNameLst>
+                                      </p:cBhvr>
+                                      <p:to>
+                                        <p:strVal val="visible"/>
+                                      </p:to>
+                                    </p:set>
+                                  </p:childTnLst>
+                                </p:cTn>
+                              </p:par>
+                            </p:childTnLst>
+                          </p:cTn>
+                        </p:par>
+                      </p:childTnLst>
+                    </p:cTn>
+                  </p:par>
+                  <p:par>
+                    <p:cTn id="23" fill="hold">
+                      <p:stCondLst>
+                        <p:cond delay="indefinite"/>
+                      </p:stCondLst>
+                      <p:childTnLst>
+                        <p:par>
+                          <p:cTn id="24" fill="hold">
+                            <p:stCondLst>
+                              <p:cond delay="0"/>
+                            </p:stCondLst>
+                            <p:childTnLst>
+                              <p:par>
+                                <p:cTn id="25" presetID="1" presetClass="entr" presetSubtype="0" fill="hold" nodeType="clickEffect">
+                                  <p:stCondLst>
+                                    <p:cond delay="0"/>
+                                  </p:stCondLst>
+                                  <p:childTnLst>
+                                    <p:set>
+                                      <p:cBhvr>
+                                        <p:cTn id="26" dur="1" fill="hold">
+                                          <p:stCondLst>
+                                            <p:cond delay="0"/>
+                                          </p:stCondLst>
+                                        </p:cTn>
+                                        <p:tgtEl>
+                                          <p:spTgt spid="2">
+                                            <p:txEl>
+                                              <p:pRg st="3" end="3"/>
+                                            </p:txEl>
+                                          </p:spTgt>
+                                        </p:tgtEl>
+                                        <p:attrNameLst>
+                                          <p:attrName>style.visibility</p:attrName>
+                                        </p:attrNameLst>
+                                      </p:cBhvr>
+                                      <p:to>
+                                        <p:strVal val="visible"/>
+                                      </p:to>
+                                    </p:set>
+                                  </p:childTnLst>
+                                </p:cTn>
+                              </p:par>
+                            </p:childTnLst>
+                          </p:cTn>
+                        </p:par>
+                      </p:childTnLst>
+                    </p:cTn>
+                  </p:par>
+                </p:childTnLst>
+              </p:cTn>
+              <p:prevCondLst>
+                <p:cond evt="onPrev" delay="0">
+                  <p:tgtEl>
+                    <p:sldTgt/>
+                  </p:tgtEl>
+                </p:cond>
+              </p:prevCondLst>
+              <p:nextCondLst>
+                <p:cond evt="onNext" delay="0">
+                  <p:tgtEl>
+                    <p:sldTgt/>
+                  </p:tgtEl>
+                </p:cond>
+              </p:nextCondLst>
+            </p:seq>
+          </p:childTnLst>
+        </p:cTn>
+      </p:par>
+    </p:tnLst>
+    <p:bldLst>
+      <p:bldP spid="2" grpId="0" uiExpand="1" build="p"/>
+    </p:bldLst>
+  </p:timing>
 </p:sld>
 </file>
 
@@ -9718,6 +10408,17 @@
             <a:r>
               <a:rPr lang="zh-CN" altLang="en-US" dirty="0"/>
               <a:t>？</a:t>
+            </a:r>
+            <a:endParaRPr lang="en-US" altLang="zh-CN" dirty="0"/>
+          </a:p>
+          <a:p>
+            <a:pPr marL="285750" indent="-285750">
+              <a:buFont typeface="Arial" panose="020B0604020202020204" pitchFamily="34" charset="0"/>
+              <a:buChar char="•"/>
+            </a:pPr>
+            <a:r>
+              <a:rPr lang="zh-CN" altLang="en-US" dirty="0"/>
+              <a:t>增加输入参数会改变公式的哪些地方？</a:t>
             </a:r>
             <a:endParaRPr lang="en-US" altLang="zh-CN" dirty="0"/>
           </a:p>
@@ -9876,7 +10577,7 @@
         </p:blipFill>
         <p:spPr bwMode="auto">
           <a:xfrm>
-            <a:off x="4016673" y="1475462"/>
+            <a:off x="456663" y="3136950"/>
             <a:ext cx="2907323" cy="1532153"/>
           </a:xfrm>
           <a:prstGeom prst="rect">
@@ -9958,7 +10659,7 @@
         </p:blipFill>
         <p:spPr>
           <a:xfrm>
-            <a:off x="3150723" y="3555730"/>
+            <a:off x="3517995" y="3490512"/>
             <a:ext cx="5236789" cy="2960775"/>
           </a:xfrm>
           <a:prstGeom prst="rect">
@@ -9995,15 +10696,10 @@
                             </p:stCondLst>
                             <p:childTnLst>
                               <p:par>
-                                <p:cTn id="5" presetID="1" presetClass="entr" presetSubtype="0" fill="hold" grpId="0" nodeType="clickEffect" nodePh="1">
+                                <p:cTn id="5" presetID="1" presetClass="entr" presetSubtype="0" fill="hold" nodeType="clickEffect">
                                   <p:stCondLst>
                                     <p:cond delay="0"/>
                                   </p:stCondLst>
-                                  <p:endCondLst>
-                                    <p:cond evt="begin" delay="0">
-                                      <p:tn val="5"/>
-                                    </p:cond>
-                                  </p:endCondLst>
                                   <p:childTnLst>
                                     <p:set>
                                       <p:cBhvr>
@@ -10013,7 +10709,244 @@
                                           </p:stCondLst>
                                         </p:cTn>
                                         <p:tgtEl>
-                                          <p:spTgt spid="6"/>
+                                          <p:spTgt spid="4"/>
+                                        </p:tgtEl>
+                                        <p:attrNameLst>
+                                          <p:attrName>style.visibility</p:attrName>
+                                        </p:attrNameLst>
+                                      </p:cBhvr>
+                                      <p:to>
+                                        <p:strVal val="visible"/>
+                                      </p:to>
+                                    </p:set>
+                                  </p:childTnLst>
+                                </p:cTn>
+                              </p:par>
+                            </p:childTnLst>
+                          </p:cTn>
+                        </p:par>
+                      </p:childTnLst>
+                    </p:cTn>
+                  </p:par>
+                  <p:par>
+                    <p:cTn id="7" fill="hold">
+                      <p:stCondLst>
+                        <p:cond delay="indefinite"/>
+                      </p:stCondLst>
+                      <p:childTnLst>
+                        <p:par>
+                          <p:cTn id="8" fill="hold">
+                            <p:stCondLst>
+                              <p:cond delay="0"/>
+                            </p:stCondLst>
+                            <p:childTnLst>
+                              <p:par>
+                                <p:cTn id="9" presetID="1" presetClass="entr" presetSubtype="0" fill="hold" grpId="0" nodeType="clickEffect">
+                                  <p:stCondLst>
+                                    <p:cond delay="0"/>
+                                  </p:stCondLst>
+                                  <p:childTnLst>
+                                    <p:set>
+                                      <p:cBhvr>
+                                        <p:cTn id="10" dur="1" fill="hold">
+                                          <p:stCondLst>
+                                            <p:cond delay="0"/>
+                                          </p:stCondLst>
+                                        </p:cTn>
+                                        <p:tgtEl>
+                                          <p:spTgt spid="2">
+                                            <p:txEl>
+                                              <p:pRg st="0" end="0"/>
+                                            </p:txEl>
+                                          </p:spTgt>
+                                        </p:tgtEl>
+                                        <p:attrNameLst>
+                                          <p:attrName>style.visibility</p:attrName>
+                                        </p:attrNameLst>
+                                      </p:cBhvr>
+                                      <p:to>
+                                        <p:strVal val="visible"/>
+                                      </p:to>
+                                    </p:set>
+                                  </p:childTnLst>
+                                </p:cTn>
+                              </p:par>
+                            </p:childTnLst>
+                          </p:cTn>
+                        </p:par>
+                      </p:childTnLst>
+                    </p:cTn>
+                  </p:par>
+                  <p:par>
+                    <p:cTn id="11" fill="hold">
+                      <p:stCondLst>
+                        <p:cond delay="indefinite"/>
+                      </p:stCondLst>
+                      <p:childTnLst>
+                        <p:par>
+                          <p:cTn id="12" fill="hold">
+                            <p:stCondLst>
+                              <p:cond delay="0"/>
+                            </p:stCondLst>
+                            <p:childTnLst>
+                              <p:par>
+                                <p:cTn id="13" presetID="1" presetClass="entr" presetSubtype="0" fill="hold" nodeType="clickEffect">
+                                  <p:stCondLst>
+                                    <p:cond delay="0"/>
+                                  </p:stCondLst>
+                                  <p:childTnLst>
+                                    <p:set>
+                                      <p:cBhvr>
+                                        <p:cTn id="14" dur="1" fill="hold">
+                                          <p:stCondLst>
+                                            <p:cond delay="0"/>
+                                          </p:stCondLst>
+                                        </p:cTn>
+                                        <p:tgtEl>
+                                          <p:spTgt spid="7"/>
+                                        </p:tgtEl>
+                                        <p:attrNameLst>
+                                          <p:attrName>style.visibility</p:attrName>
+                                        </p:attrNameLst>
+                                      </p:cBhvr>
+                                      <p:to>
+                                        <p:strVal val="visible"/>
+                                      </p:to>
+                                    </p:set>
+                                  </p:childTnLst>
+                                </p:cTn>
+                              </p:par>
+                            </p:childTnLst>
+                          </p:cTn>
+                        </p:par>
+                      </p:childTnLst>
+                    </p:cTn>
+                  </p:par>
+                  <p:par>
+                    <p:cTn id="15" fill="hold">
+                      <p:stCondLst>
+                        <p:cond delay="indefinite"/>
+                      </p:stCondLst>
+                      <p:childTnLst>
+                        <p:par>
+                          <p:cTn id="16" fill="hold">
+                            <p:stCondLst>
+                              <p:cond delay="0"/>
+                            </p:stCondLst>
+                            <p:childTnLst>
+                              <p:par>
+                                <p:cTn id="17" presetID="1" presetClass="entr" presetSubtype="0" fill="hold" grpId="0" nodeType="clickEffect">
+                                  <p:stCondLst>
+                                    <p:cond delay="0"/>
+                                  </p:stCondLst>
+                                  <p:childTnLst>
+                                    <p:set>
+                                      <p:cBhvr>
+                                        <p:cTn id="18" dur="1" fill="hold">
+                                          <p:stCondLst>
+                                            <p:cond delay="0"/>
+                                          </p:stCondLst>
+                                        </p:cTn>
+                                        <p:tgtEl>
+                                          <p:spTgt spid="2">
+                                            <p:txEl>
+                                              <p:pRg st="1" end="1"/>
+                                            </p:txEl>
+                                          </p:spTgt>
+                                        </p:tgtEl>
+                                        <p:attrNameLst>
+                                          <p:attrName>style.visibility</p:attrName>
+                                        </p:attrNameLst>
+                                      </p:cBhvr>
+                                      <p:to>
+                                        <p:strVal val="visible"/>
+                                      </p:to>
+                                    </p:set>
+                                  </p:childTnLst>
+                                </p:cTn>
+                              </p:par>
+                            </p:childTnLst>
+                          </p:cTn>
+                        </p:par>
+                      </p:childTnLst>
+                    </p:cTn>
+                  </p:par>
+                  <p:par>
+                    <p:cTn id="19" fill="hold">
+                      <p:stCondLst>
+                        <p:cond delay="indefinite"/>
+                      </p:stCondLst>
+                      <p:childTnLst>
+                        <p:par>
+                          <p:cTn id="20" fill="hold">
+                            <p:stCondLst>
+                              <p:cond delay="0"/>
+                            </p:stCondLst>
+                            <p:childTnLst>
+                              <p:par>
+                                <p:cTn id="21" presetID="1" presetClass="entr" presetSubtype="0" fill="hold" nodeType="clickEffect">
+                                  <p:stCondLst>
+                                    <p:cond delay="0"/>
+                                  </p:stCondLst>
+                                  <p:childTnLst>
+                                    <p:set>
+                                      <p:cBhvr>
+                                        <p:cTn id="22" dur="1" fill="hold">
+                                          <p:stCondLst>
+                                            <p:cond delay="0"/>
+                                          </p:stCondLst>
+                                        </p:cTn>
+                                        <p:tgtEl>
+                                          <p:spTgt spid="13"/>
+                                        </p:tgtEl>
+                                        <p:attrNameLst>
+                                          <p:attrName>style.visibility</p:attrName>
+                                        </p:attrNameLst>
+                                      </p:cBhvr>
+                                      <p:to>
+                                        <p:strVal val="visible"/>
+                                      </p:to>
+                                    </p:set>
+                                  </p:childTnLst>
+                                </p:cTn>
+                              </p:par>
+                            </p:childTnLst>
+                          </p:cTn>
+                        </p:par>
+                      </p:childTnLst>
+                    </p:cTn>
+                  </p:par>
+                  <p:par>
+                    <p:cTn id="23" fill="hold">
+                      <p:stCondLst>
+                        <p:cond delay="indefinite"/>
+                      </p:stCondLst>
+                      <p:childTnLst>
+                        <p:par>
+                          <p:cTn id="24" fill="hold">
+                            <p:stCondLst>
+                              <p:cond delay="0"/>
+                            </p:stCondLst>
+                            <p:childTnLst>
+                              <p:par>
+                                <p:cTn id="25" presetID="1" presetClass="entr" presetSubtype="0" fill="hold" grpId="0" nodeType="clickEffect">
+                                  <p:stCondLst>
+                                    <p:cond delay="0"/>
+                                  </p:stCondLst>
+                                  <p:childTnLst>
+                                    <p:set>
+                                      <p:cBhvr>
+                                        <p:cTn id="26" dur="1" fill="hold">
+                                          <p:stCondLst>
+                                            <p:cond delay="0"/>
+                                          </p:stCondLst>
+                                        </p:cTn>
+                                        <p:tgtEl>
+                                          <p:spTgt spid="2">
+                                            <p:txEl>
+                                              <p:pRg st="2" end="2"/>
+                                            </p:txEl>
+                                          </p:spTgt>
                                         </p:tgtEl>
                                         <p:attrNameLst>
                                           <p:attrName>style.visibility</p:attrName>
@@ -10054,7 +10987,7 @@
       </p:par>
     </p:tnLst>
     <p:bldLst>
-      <p:bldP spid="6" grpId="0"/>
+      <p:bldP spid="2" grpId="0" uiExpand="1" build="p"/>
     </p:bldLst>
   </p:timing>
 </p:sld>
@@ -10100,7 +11033,7 @@
               <a:rPr lang="zh-CN" altLang="en-US" dirty="0">
                 <a:sym typeface="+mn-ea"/>
               </a:rPr>
-              <a:t>请修改神经元的</a:t>
+              <a:t>请将神经元的</a:t>
             </a:r>
             <a:r>
               <a:rPr lang="en-US" altLang="zh-CN" dirty="0">
@@ -10112,7 +11045,7 @@
               <a:rPr lang="zh-CN" altLang="en-US" dirty="0">
                 <a:sym typeface="+mn-ea"/>
               </a:rPr>
-              <a:t>函数为向量化</a:t>
+              <a:t>函数改为向量化</a:t>
             </a:r>
             <a:endParaRPr lang="en-US" altLang="zh-CN" dirty="0">
               <a:sym typeface="+mn-ea"/>
@@ -10197,6 +11130,137 @@
   <p:clrMapOvr>
     <a:masterClrMapping/>
   </p:clrMapOvr>
+  <p:timing>
+    <p:tnLst>
+      <p:par>
+        <p:cTn id="1" dur="indefinite" restart="never" nodeType="tmRoot">
+          <p:childTnLst>
+            <p:seq concurrent="1" nextAc="seek">
+              <p:cTn id="2" dur="indefinite" nodeType="mainSeq">
+                <p:childTnLst>
+                  <p:par>
+                    <p:cTn id="3" fill="hold">
+                      <p:stCondLst>
+                        <p:cond delay="indefinite"/>
+                      </p:stCondLst>
+                      <p:childTnLst>
+                        <p:par>
+                          <p:cTn id="4" fill="hold">
+                            <p:stCondLst>
+                              <p:cond delay="0"/>
+                            </p:stCondLst>
+                            <p:childTnLst>
+                              <p:par>
+                                <p:cTn id="5" presetID="1" presetClass="entr" presetSubtype="0" fill="hold" grpId="0" nodeType="clickEffect">
+                                  <p:stCondLst>
+                                    <p:cond delay="0"/>
+                                  </p:stCondLst>
+                                  <p:childTnLst>
+                                    <p:set>
+                                      <p:cBhvr>
+                                        <p:cTn id="6" dur="1" fill="hold">
+                                          <p:stCondLst>
+                                            <p:cond delay="0"/>
+                                          </p:stCondLst>
+                                        </p:cTn>
+                                        <p:tgtEl>
+                                          <p:spTgt spid="2">
+                                            <p:txEl>
+                                              <p:pRg st="0" end="0"/>
+                                            </p:txEl>
+                                          </p:spTgt>
+                                        </p:tgtEl>
+                                        <p:attrNameLst>
+                                          <p:attrName>style.visibility</p:attrName>
+                                        </p:attrNameLst>
+                                      </p:cBhvr>
+                                      <p:to>
+                                        <p:strVal val="visible"/>
+                                      </p:to>
+                                    </p:set>
+                                  </p:childTnLst>
+                                </p:cTn>
+                              </p:par>
+                            </p:childTnLst>
+                          </p:cTn>
+                        </p:par>
+                      </p:childTnLst>
+                    </p:cTn>
+                  </p:par>
+                  <p:par>
+                    <p:cTn id="7" fill="hold">
+                      <p:stCondLst>
+                        <p:cond delay="indefinite"/>
+                      </p:stCondLst>
+                      <p:childTnLst>
+                        <p:par>
+                          <p:cTn id="8" fill="hold">
+                            <p:stCondLst>
+                              <p:cond delay="0"/>
+                            </p:stCondLst>
+                            <p:childTnLst>
+                              <p:par>
+                                <p:cTn id="9" presetID="1" presetClass="entr" presetSubtype="0" fill="hold" grpId="0" nodeType="clickEffect">
+                                  <p:stCondLst>
+                                    <p:cond delay="0"/>
+                                  </p:stCondLst>
+                                  <p:childTnLst>
+                                    <p:set>
+                                      <p:cBhvr>
+                                        <p:cTn id="10" dur="1" fill="hold">
+                                          <p:stCondLst>
+                                            <p:cond delay="0"/>
+                                          </p:stCondLst>
+                                        </p:cTn>
+                                        <p:tgtEl>
+                                          <p:spTgt spid="2">
+                                            <p:txEl>
+                                              <p:pRg st="1" end="1"/>
+                                            </p:txEl>
+                                          </p:spTgt>
+                                        </p:tgtEl>
+                                        <p:attrNameLst>
+                                          <p:attrName>style.visibility</p:attrName>
+                                        </p:attrNameLst>
+                                      </p:cBhvr>
+                                      <p:to>
+                                        <p:strVal val="visible"/>
+                                      </p:to>
+                                    </p:set>
+                                  </p:childTnLst>
+                                </p:cTn>
+                              </p:par>
+                            </p:childTnLst>
+                          </p:cTn>
+                        </p:par>
+                      </p:childTnLst>
+                    </p:cTn>
+                  </p:par>
+                </p:childTnLst>
+              </p:cTn>
+              <p:prevCondLst>
+                <p:cond evt="onPrev" delay="0">
+                  <p:tgtEl>
+                    <p:sldTgt/>
+                  </p:tgtEl>
+                </p:cond>
+              </p:prevCondLst>
+              <p:nextCondLst>
+                <p:cond evt="onNext" delay="0">
+                  <p:tgtEl>
+                    <p:sldTgt/>
+                  </p:tgtEl>
+                </p:cond>
+              </p:nextCondLst>
+            </p:seq>
+          </p:childTnLst>
+        </p:cTn>
+      </p:par>
+    </p:tnLst>
+    <p:bldLst>
+      <p:bldP spid="2" grpId="0" uiExpand="1" build="p"/>
+    </p:bldLst>
+  </p:timing>
 </p:sld>
 </file>
 
